--- a/slides/Chapter2.pptx
+++ b/slides/Chapter2.pptx
@@ -225,7 +225,7 @@
           <a:p>
             <a:fld id="{D2A48B96-639E-45A3-A0BA-2464DFDB1FAA}" type="datetimeFigureOut">
               <a:rPr lang="zh-CN" altLang="en-US" smtClean="0"/>
-              <a:t>2023/1/18</a:t>
+              <a:t>2023/1/28</a:t>
             </a:fld>
             <a:endParaRPr lang="zh-CN" altLang="en-US"/>
           </a:p>
@@ -2277,7 +2277,7 @@
           <a:p>
             <a:fld id="{760FBDFE-C587-4B4C-A407-44438C67B59E}" type="datetimeFigureOut">
               <a:rPr lang="zh-CN" altLang="en-US" smtClean="0"/>
-              <a:t>2023/1/18</a:t>
+              <a:t>2023/1/28</a:t>
             </a:fld>
             <a:endParaRPr lang="zh-CN" altLang="en-US"/>
           </a:p>
@@ -3040,7 +3040,7 @@
           <a:p>
             <a:fld id="{760FBDFE-C587-4B4C-A407-44438C67B59E}" type="datetimeFigureOut">
               <a:rPr lang="zh-CN" altLang="en-US" smtClean="0"/>
-              <a:t>2023/1/18</a:t>
+              <a:t>2023/1/28</a:t>
             </a:fld>
             <a:endParaRPr lang="zh-CN" altLang="en-US"/>
           </a:p>
@@ -3807,7 +3807,7 @@
           <a:p>
             <a:fld id="{760FBDFE-C587-4B4C-A407-44438C67B59E}" type="datetimeFigureOut">
               <a:rPr lang="zh-CN" altLang="en-US" smtClean="0"/>
-              <a:t>2023/1/18</a:t>
+              <a:t>2023/1/28</a:t>
             </a:fld>
             <a:endParaRPr lang="zh-CN" altLang="en-US"/>
           </a:p>
@@ -4273,7 +4273,7 @@
           <a:p>
             <a:fld id="{760FBDFE-C587-4B4C-A407-44438C67B59E}" type="datetimeFigureOut">
               <a:rPr lang="zh-CN" altLang="en-US" smtClean="0"/>
-              <a:t>2023/1/18</a:t>
+              <a:t>2023/1/28</a:t>
             </a:fld>
             <a:endParaRPr lang="zh-CN" altLang="en-US"/>
           </a:p>
@@ -4963,7 +4963,7 @@
           <a:p>
             <a:fld id="{760FBDFE-C587-4B4C-A407-44438C67B59E}" type="datetimeFigureOut">
               <a:rPr lang="zh-CN" altLang="en-US" smtClean="0"/>
-              <a:t>2023/1/18</a:t>
+              <a:t>2023/1/28</a:t>
             </a:fld>
             <a:endParaRPr lang="zh-CN" altLang="en-US"/>
           </a:p>
@@ -5437,7 +5437,7 @@
           <a:p>
             <a:fld id="{760FBDFE-C587-4B4C-A407-44438C67B59E}" type="datetimeFigureOut">
               <a:rPr lang="zh-CN" altLang="en-US" smtClean="0"/>
-              <a:t>2023/1/18</a:t>
+              <a:t>2023/1/28</a:t>
             </a:fld>
             <a:endParaRPr lang="zh-CN" altLang="en-US" dirty="0"/>
           </a:p>
@@ -6163,7 +6163,7 @@
           <a:p>
             <a:fld id="{760FBDFE-C587-4B4C-A407-44438C67B59E}" type="datetimeFigureOut">
               <a:rPr lang="zh-CN" altLang="en-US" smtClean="0"/>
-              <a:t>2023/1/18</a:t>
+              <a:t>2023/1/28</a:t>
             </a:fld>
             <a:endParaRPr lang="zh-CN" altLang="en-US"/>
           </a:p>
@@ -6803,7 +6803,7 @@
           <a:p>
             <a:fld id="{760FBDFE-C587-4B4C-A407-44438C67B59E}" type="datetimeFigureOut">
               <a:rPr lang="zh-CN" altLang="en-US" smtClean="0"/>
-              <a:t>2023/1/18</a:t>
+              <a:t>2023/1/28</a:t>
             </a:fld>
             <a:endParaRPr lang="zh-CN" altLang="en-US"/>
           </a:p>
@@ -7230,7 +7230,7 @@
           <a:p>
             <a:fld id="{760FBDFE-C587-4B4C-A407-44438C67B59E}" type="datetimeFigureOut">
               <a:rPr lang="zh-CN" altLang="en-US" smtClean="0"/>
-              <a:t>2023/1/18</a:t>
+              <a:t>2023/1/28</a:t>
             </a:fld>
             <a:endParaRPr lang="zh-CN" altLang="en-US"/>
           </a:p>
@@ -8430,7 +8430,7 @@
           <a:p>
             <a:fld id="{760FBDFE-C587-4B4C-A407-44438C67B59E}" type="datetimeFigureOut">
               <a:rPr lang="zh-CN" altLang="en-US" smtClean="0"/>
-              <a:t>2023/1/18</a:t>
+              <a:t>2023/1/28</a:t>
             </a:fld>
             <a:endParaRPr lang="zh-CN" altLang="en-US"/>
           </a:p>
@@ -9118,7 +9118,7 @@
           <a:p>
             <a:fld id="{760FBDFE-C587-4B4C-A407-44438C67B59E}" type="datetimeFigureOut">
               <a:rPr lang="zh-CN" altLang="en-US" smtClean="0"/>
-              <a:t>2023/1/18</a:t>
+              <a:t>2023/1/28</a:t>
             </a:fld>
             <a:endParaRPr lang="zh-CN" altLang="en-US"/>
           </a:p>
@@ -9926,7 +9926,7 @@
           <a:p>
             <a:fld id="{760FBDFE-C587-4B4C-A407-44438C67B59E}" type="datetimeFigureOut">
               <a:rPr lang="zh-CN" altLang="en-US" smtClean="0"/>
-              <a:t>2023/1/18</a:t>
+              <a:t>2023/1/28</a:t>
             </a:fld>
             <a:endParaRPr lang="zh-CN" altLang="en-US"/>
           </a:p>
@@ -10663,7 +10663,7 @@
           <a:p>
             <a:fld id="{760FBDFE-C587-4B4C-A407-44438C67B59E}" type="datetimeFigureOut">
               <a:rPr lang="zh-CN" altLang="en-US" smtClean="0"/>
-              <a:t>2023/1/18</a:t>
+              <a:t>2023/1/28</a:t>
             </a:fld>
             <a:endParaRPr lang="zh-CN" altLang="en-US"/>
           </a:p>
@@ -11644,7 +11644,7 @@
           <a:p>
             <a:fld id="{760FBDFE-C587-4B4C-A407-44438C67B59E}" type="datetimeFigureOut">
               <a:rPr lang="zh-CN" altLang="en-US" smtClean="0"/>
-              <a:t>2023/1/18</a:t>
+              <a:t>2023/1/28</a:t>
             </a:fld>
             <a:endParaRPr lang="zh-CN" altLang="en-US"/>
           </a:p>
@@ -12267,7 +12267,7 @@
           <a:p>
             <a:fld id="{760FBDFE-C587-4B4C-A407-44438C67B59E}" type="datetimeFigureOut">
               <a:rPr lang="zh-CN" altLang="en-US" smtClean="0"/>
-              <a:t>2023/1/18</a:t>
+              <a:t>2023/1/28</a:t>
             </a:fld>
             <a:endParaRPr lang="zh-CN" altLang="en-US"/>
           </a:p>
@@ -12374,7 +12374,7 @@
           <a:p>
             <a:fld id="{760FBDFE-C587-4B4C-A407-44438C67B59E}" type="datetimeFigureOut">
               <a:rPr lang="zh-CN" altLang="en-US" smtClean="0"/>
-              <a:t>2023/1/18</a:t>
+              <a:t>2023/1/28</a:t>
             </a:fld>
             <a:endParaRPr lang="zh-CN" altLang="en-US"/>
           </a:p>
@@ -13000,7 +13000,7 @@
           <a:p>
             <a:fld id="{9EFD9D74-47D9-4702-A33C-335B63B48DBF}" type="datetimeFigureOut">
               <a:rPr lang="zh-CN" altLang="en-US" smtClean="0"/>
-              <a:t>2023/1/18</a:t>
+              <a:t>2023/1/28</a:t>
             </a:fld>
             <a:endParaRPr lang="zh-CN" altLang="en-US" dirty="0"/>
           </a:p>
@@ -13714,7 +13714,7 @@
           <a:p>
             <a:fld id="{760FBDFE-C587-4B4C-A407-44438C67B59E}" type="datetimeFigureOut">
               <a:rPr lang="zh-CN" altLang="en-US" smtClean="0"/>
-              <a:t>2023/1/18</a:t>
+              <a:t>2023/1/28</a:t>
             </a:fld>
             <a:endParaRPr lang="zh-CN" altLang="en-US"/>
           </a:p>
@@ -13966,7 +13966,7 @@
           <a:p>
             <a:fld id="{760FBDFE-C587-4B4C-A407-44438C67B59E}" type="datetimeFigureOut">
               <a:rPr lang="zh-CN" altLang="en-US" smtClean="0"/>
-              <a:t>2023/1/18</a:t>
+              <a:t>2023/1/28</a:t>
             </a:fld>
             <a:endParaRPr lang="zh-CN" altLang="en-US"/>
           </a:p>
@@ -22092,7 +22092,7 @@
                 <a:latin typeface="Consolas" panose="020B0609020204030204" charset="0"/>
                 <a:ea typeface="宋体" panose="02010600030101010101" pitchFamily="2" charset="-122"/>
               </a:rPr>
-              <a:t>	S</a:t>
+              <a:t>    S</a:t>
             </a:r>
             <a:r>
               <a:rPr lang="en-US" altLang="zh-CN" b="0">
@@ -22183,7 +22183,7 @@
                 <a:latin typeface="Consolas" panose="020B0609020204030204" charset="0"/>
                 <a:ea typeface="宋体" panose="02010600030101010101" pitchFamily="2" charset="-122"/>
               </a:rPr>
-              <a:t>	</a:t>
+              <a:t>    </a:t>
             </a:r>
             <a:r>
               <a:rPr lang="en-US" b="1">
@@ -22300,7 +22300,7 @@
                 <a:latin typeface="Consolas" panose="020B0609020204030204" charset="0"/>
                 <a:ea typeface="宋体" panose="02010600030101010101" pitchFamily="2" charset="-122"/>
               </a:rPr>
-              <a:t>	</a:t>
+              <a:t>    </a:t>
             </a:r>
             <a:r>
               <a:rPr lang="en-US" altLang="zh-CN" b="0">
@@ -22313,7 +22313,7 @@
                 <a:latin typeface="Consolas" panose="020B0609020204030204" charset="0"/>
                 <a:ea typeface="宋体" panose="02010600030101010101" pitchFamily="2" charset="-122"/>
               </a:rPr>
-              <a:t> System.out.println</a:t>
+              <a:t>System.out.println</a:t>
             </a:r>
             <a:r>
               <a:rPr lang="en-US" b="1">
@@ -22378,7 +22378,7 @@
                 <a:latin typeface="Consolas" panose="020B0609020204030204" charset="0"/>
                 <a:ea typeface="宋体" panose="02010600030101010101" pitchFamily="2" charset="-122"/>
               </a:rPr>
-              <a:t>	</a:t>
+              <a:t>    </a:t>
             </a:r>
             <a:r>
               <a:rPr lang="en-US" b="1">
@@ -22495,7 +22495,7 @@
                 <a:latin typeface="Consolas" panose="020B0609020204030204" charset="0"/>
                 <a:ea typeface="宋体" panose="02010600030101010101" pitchFamily="2" charset="-122"/>
               </a:rPr>
-              <a:t>	</a:t>
+              <a:t>    </a:t>
             </a:r>
             <a:r>
               <a:rPr lang="en-US" altLang="zh-CN" b="0">
@@ -22508,7 +22508,7 @@
                 <a:latin typeface="Consolas" panose="020B0609020204030204" charset="0"/>
                 <a:ea typeface="宋体" panose="02010600030101010101" pitchFamily="2" charset="-122"/>
               </a:rPr>
-              <a:t> System.out.println</a:t>
+              <a:t>System.out.println</a:t>
             </a:r>
             <a:r>
               <a:rPr lang="en-US" b="1">
@@ -22573,7 +22573,7 @@
                 <a:latin typeface="Consolas" panose="020B0609020204030204" charset="0"/>
                 <a:ea typeface="宋体" panose="02010600030101010101" pitchFamily="2" charset="-122"/>
               </a:rPr>
-              <a:t>	</a:t>
+              <a:t>    </a:t>
             </a:r>
             <a:r>
               <a:rPr lang="en-US" b="1">
@@ -22716,7 +22716,7 @@
                 <a:latin typeface="Consolas" panose="020B0609020204030204" charset="0"/>
                 <a:ea typeface="宋体" panose="02010600030101010101" pitchFamily="2" charset="-122"/>
               </a:rPr>
-              <a:t>	</a:t>
+              <a:t>    </a:t>
             </a:r>
             <a:r>
               <a:rPr lang="en-US" altLang="zh-CN" b="0">
@@ -22729,7 +22729,7 @@
                 <a:latin typeface="Consolas" panose="020B0609020204030204" charset="0"/>
                 <a:ea typeface="宋体" panose="02010600030101010101" pitchFamily="2" charset="-122"/>
               </a:rPr>
-              <a:t> System.out.println</a:t>
+              <a:t>System.out.println</a:t>
             </a:r>
             <a:r>
               <a:rPr lang="en-US" b="1">
@@ -22794,7 +22794,7 @@
                 <a:latin typeface="Consolas" panose="020B0609020204030204" charset="0"/>
                 <a:ea typeface="宋体" panose="02010600030101010101" pitchFamily="2" charset="-122"/>
               </a:rPr>
-              <a:t>	</a:t>
+              <a:t>    </a:t>
             </a:r>
             <a:r>
               <a:rPr lang="en-US" b="1">
@@ -22885,7 +22885,7 @@
                 <a:latin typeface="Consolas" panose="020B0609020204030204" charset="0"/>
                 <a:ea typeface="宋体" panose="02010600030101010101" pitchFamily="2" charset="-122"/>
               </a:rPr>
-              <a:t>	</a:t>
+              <a:t>    </a:t>
             </a:r>
             <a:r>
               <a:rPr lang="en-US" altLang="zh-CN" b="0">
@@ -22898,7 +22898,7 @@
                 <a:latin typeface="Consolas" panose="020B0609020204030204" charset="0"/>
                 <a:ea typeface="宋体" panose="02010600030101010101" pitchFamily="2" charset="-122"/>
               </a:rPr>
-              <a:t> System.out.println</a:t>
+              <a:t>System.out.println</a:t>
             </a:r>
             <a:r>
               <a:rPr lang="en-US" b="1">
@@ -22963,7 +22963,7 @@
                 <a:latin typeface="Consolas" panose="020B0609020204030204" charset="0"/>
                 <a:ea typeface="宋体" panose="02010600030101010101" pitchFamily="2" charset="-122"/>
               </a:rPr>
-              <a:t>	</a:t>
+              <a:t>    </a:t>
             </a:r>
             <a:r>
               <a:rPr lang="en-US" b="1">
